--- a/gpu/project/20173155_kimjinkwon.pptx
+++ b/gpu/project/20173155_kimjinkwon.pptx
@@ -124,6 +124,10 @@
 </p:presentation>
 </file>
 
+<file path=ppt/revisionInfo.xml><?xml version="1.0" encoding="utf-8"?>
+<p1510:revInfo xmlns:a="http://schemas.openxmlformats.org/drawingml/2006/main" xmlns:r="http://schemas.openxmlformats.org/officeDocument/2006/relationships" xmlns:p1510="http://schemas.microsoft.com/office/powerpoint/2015/10/main"/>
+</file>
+
 <file path=ppt/notesMasters/notesMaster1.xml><?xml version="1.0" encoding="utf-8"?>
 <p:notesMaster xmlns:a="http://schemas.openxmlformats.org/drawingml/2006/main" xmlns:r="http://schemas.openxmlformats.org/officeDocument/2006/relationships" xmlns:p="http://schemas.openxmlformats.org/presentationml/2006/main">
   <p:cSld>
@@ -206,7 +210,7 @@
           <a:p>
             <a:fld id="{BD812897-04EB-4727-A15B-46D1DB3F1529}" type="datetimeFigureOut">
               <a:rPr lang="ko-KR" altLang="en-US" smtClean="0"/>
-              <a:t>2017-05-17</a:t>
+              <a:t>2017-05-31</a:t>
             </a:fld>
             <a:endParaRPr lang="ko-KR" altLang="en-US"/>
           </a:p>
@@ -1611,7 +1615,7 @@
           <a:p>
             <a:fld id="{40460534-3BFF-4130-A865-0F21A20F32A6}" type="datetime1">
               <a:rPr lang="ko-KR" altLang="en-US" smtClean="0"/>
-              <a:t>2017-05-17</a:t>
+              <a:t>2017-05-31</a:t>
             </a:fld>
             <a:endParaRPr lang="ko-KR" altLang="en-US"/>
           </a:p>
@@ -1785,7 +1789,7 @@
           <a:p>
             <a:fld id="{9D7EE686-87B1-41BA-A518-350DB8DEE2EB}" type="datetime1">
               <a:rPr lang="ko-KR" altLang="en-US" smtClean="0"/>
-              <a:t>2017-05-17</a:t>
+              <a:t>2017-05-31</a:t>
             </a:fld>
             <a:endParaRPr lang="ko-KR" altLang="en-US"/>
           </a:p>
@@ -1969,7 +1973,7 @@
           <a:p>
             <a:fld id="{533FB7A4-43E3-4E2A-9B67-B8CBC0573B3A}" type="datetime1">
               <a:rPr lang="ko-KR" altLang="en-US" smtClean="0"/>
-              <a:t>2017-05-17</a:t>
+              <a:t>2017-05-31</a:t>
             </a:fld>
             <a:endParaRPr lang="ko-KR" altLang="en-US"/>
           </a:p>
@@ -2157,7 +2161,7 @@
           <a:p>
             <a:fld id="{6E3AD1E9-85E6-4A01-9069-810C76AE1F25}" type="datetime1">
               <a:rPr lang="ko-KR" altLang="en-US" smtClean="0"/>
-              <a:t>2017-05-17</a:t>
+              <a:t>2017-05-31</a:t>
             </a:fld>
             <a:endParaRPr lang="ko-KR" altLang="en-US"/>
           </a:p>
@@ -2435,7 +2439,7 @@
           <a:p>
             <a:fld id="{4055F9AD-C3B1-4F59-B120-3B5E2C7CB63F}" type="datetime1">
               <a:rPr lang="ko-KR" altLang="en-US" smtClean="0"/>
-              <a:t>2017-05-17</a:t>
+              <a:t>2017-05-31</a:t>
             </a:fld>
             <a:endParaRPr lang="ko-KR" altLang="en-US"/>
           </a:p>
@@ -2671,7 +2675,7 @@
           <a:p>
             <a:fld id="{5CBA9093-F86E-4FD7-AB09-9C77FFFD66C5}" type="datetime1">
               <a:rPr lang="ko-KR" altLang="en-US" smtClean="0"/>
-              <a:t>2017-05-17</a:t>
+              <a:t>2017-05-31</a:t>
             </a:fld>
             <a:endParaRPr lang="ko-KR" altLang="en-US"/>
           </a:p>
@@ -3042,7 +3046,7 @@
           <a:p>
             <a:fld id="{7144376B-DF3D-4437-A4A0-E42FBF07A4C0}" type="datetime1">
               <a:rPr lang="ko-KR" altLang="en-US" smtClean="0"/>
-              <a:t>2017-05-17</a:t>
+              <a:t>2017-05-31</a:t>
             </a:fld>
             <a:endParaRPr lang="ko-KR" altLang="en-US"/>
           </a:p>
@@ -3164,7 +3168,7 @@
           <a:p>
             <a:fld id="{EE000DB4-524A-4F9F-8C53-EFAB257387A7}" type="datetime1">
               <a:rPr lang="ko-KR" altLang="en-US" smtClean="0"/>
-              <a:t>2017-05-17</a:t>
+              <a:t>2017-05-31</a:t>
             </a:fld>
             <a:endParaRPr lang="ko-KR" altLang="en-US"/>
           </a:p>
@@ -3263,7 +3267,7 @@
           <a:p>
             <a:fld id="{FDA9F3CD-9BC9-4CB6-9A9D-93C5EA3545BD}" type="datetime1">
               <a:rPr lang="ko-KR" altLang="en-US" smtClean="0"/>
-              <a:t>2017-05-17</a:t>
+              <a:t>2017-05-31</a:t>
             </a:fld>
             <a:endParaRPr lang="ko-KR" altLang="en-US"/>
           </a:p>
@@ -3544,7 +3548,7 @@
           <a:p>
             <a:fld id="{67577A4F-6C04-4821-BD9B-7ADD21BBD508}" type="datetime1">
               <a:rPr lang="ko-KR" altLang="en-US" smtClean="0"/>
-              <a:t>2017-05-17</a:t>
+              <a:t>2017-05-31</a:t>
             </a:fld>
             <a:endParaRPr lang="ko-KR" altLang="en-US"/>
           </a:p>
@@ -3805,7 +3809,7 @@
           <a:p>
             <a:fld id="{D5FF649E-6D8A-40F6-8243-C08A672FA487}" type="datetime1">
               <a:rPr lang="ko-KR" altLang="en-US" smtClean="0"/>
-              <a:t>2017-05-17</a:t>
+              <a:t>2017-05-31</a:t>
             </a:fld>
             <a:endParaRPr lang="ko-KR" altLang="en-US"/>
           </a:p>
@@ -4022,7 +4026,7 @@
           <a:p>
             <a:fld id="{29E078CA-C9F6-484F-8FA2-291E6AC5638E}" type="datetime1">
               <a:rPr lang="ko-KR" altLang="en-US" smtClean="0"/>
-              <a:t>2017-05-17</a:t>
+              <a:t>2017-05-31</a:t>
             </a:fld>
             <a:endParaRPr lang="ko-KR" altLang="en-US"/>
           </a:p>
@@ -4965,8 +4969,8 @@
           </a:p>
         </p:txBody>
       </p:sp>
-      <mc:AlternateContent xmlns:mc="http://schemas.openxmlformats.org/markup-compatibility/2006">
-        <mc:Choice xmlns:a14="http://schemas.microsoft.com/office/drawing/2010/main" Requires="a14">
+      <mc:AlternateContent xmlns:mc="http://schemas.openxmlformats.org/markup-compatibility/2006" xmlns:a14="http://schemas.microsoft.com/office/drawing/2010/main">
+        <mc:Choice Requires="a14">
           <p:sp>
             <p:nvSpPr>
               <p:cNvPr id="3" name="내용 개체 틀 2"/>
@@ -5347,7 +5351,7 @@
             </p:txBody>
           </p:sp>
         </mc:Choice>
-        <mc:Fallback>
+        <mc:Fallback xmlns="">
           <p:sp>
             <p:nvSpPr>
               <p:cNvPr id="3" name="내용 개체 틀 2"/>
@@ -5413,8 +5417,8 @@
           </a:p>
         </p:txBody>
       </p:sp>
-      <mc:AlternateContent xmlns:mc="http://schemas.openxmlformats.org/markup-compatibility/2006">
-        <mc:Choice xmlns:a14="http://schemas.microsoft.com/office/drawing/2010/main" Requires="a14">
+      <mc:AlternateContent xmlns:mc="http://schemas.openxmlformats.org/markup-compatibility/2006" xmlns:a14="http://schemas.microsoft.com/office/drawing/2010/main">
+        <mc:Choice Requires="a14">
           <p:sp>
             <p:nvSpPr>
               <p:cNvPr id="17" name="TextBox 16"/>
@@ -5664,16 +5668,7 @@
                             </a:solidFill>
                             <a:latin typeface="Cambria Math" panose="02040503050406030204" pitchFamily="18" charset="0"/>
                           </a:rPr>
-                          <m:t>2</m:t>
-                        </m:r>
-                        <m:r>
-                          <a:rPr lang="en-US" altLang="ko-KR" sz="2000" i="1">
-                            <a:solidFill>
-                              <a:prstClr val="black"/>
-                            </a:solidFill>
-                            <a:latin typeface="Cambria Math" panose="02040503050406030204" pitchFamily="18" charset="0"/>
-                          </a:rPr>
-                          <m:t> </m:t>
+                          <m:t>2 </m:t>
                         </m:r>
                       </m:sub>
                     </m:sSub>
@@ -5939,25 +5934,7 @@
                                 </a:solidFill>
                                 <a:latin typeface="Cambria Math" panose="02040503050406030204" pitchFamily="18" charset="0"/>
                               </a:rPr>
-                              <m:t> </m:t>
-                            </m:r>
-                            <m:r>
-                              <a:rPr lang="en-US" altLang="ko-KR" sz="2000" i="1">
-                                <a:solidFill>
-                                  <a:prstClr val="black"/>
-                                </a:solidFill>
-                                <a:latin typeface="Cambria Math" panose="02040503050406030204" pitchFamily="18" charset="0"/>
-                              </a:rPr>
-                              <m:t>                       </m:t>
-                            </m:r>
-                            <m:r>
-                              <a:rPr lang="en-US" altLang="ko-KR" sz="2000" i="1">
-                                <a:solidFill>
-                                  <a:prstClr val="black"/>
-                                </a:solidFill>
-                                <a:latin typeface="Cambria Math" panose="02040503050406030204" pitchFamily="18" charset="0"/>
-                              </a:rPr>
-                              <m:t>   </m:t>
+                              <m:t>                           </m:t>
                             </m:r>
                             <m:r>
                               <a:rPr lang="en-US" altLang="ko-KR" sz="2000" b="0" i="1" smtClean="0">
@@ -6139,7 +6116,7 @@
             </p:txBody>
           </p:sp>
         </mc:Choice>
-        <mc:Fallback>
+        <mc:Fallback xmlns="">
           <p:sp>
             <p:nvSpPr>
               <p:cNvPr id="17" name="TextBox 16"/>
@@ -6218,8 +6195,8 @@
           </a:p>
         </p:txBody>
       </p:sp>
-      <mc:AlternateContent xmlns:mc="http://schemas.openxmlformats.org/markup-compatibility/2006">
-        <mc:Choice xmlns:a14="http://schemas.microsoft.com/office/drawing/2010/main" Requires="a14">
+      <mc:AlternateContent xmlns:mc="http://schemas.openxmlformats.org/markup-compatibility/2006" xmlns:a14="http://schemas.microsoft.com/office/drawing/2010/main">
+        <mc:Choice Requires="a14">
           <p:sp>
             <p:nvSpPr>
               <p:cNvPr id="19" name="TextBox 18"/>
@@ -6341,7 +6318,7 @@
             </p:txBody>
           </p:sp>
         </mc:Choice>
-        <mc:Fallback>
+        <mc:Fallback xmlns="">
           <p:sp>
             <p:nvSpPr>
               <p:cNvPr id="19" name="TextBox 18"/>
@@ -6884,8 +6861,8 @@
           </p:style>
         </p:cxnSp>
       </p:grpSp>
-      <mc:AlternateContent xmlns:mc="http://schemas.openxmlformats.org/markup-compatibility/2006">
-        <mc:Choice xmlns:a14="http://schemas.microsoft.com/office/drawing/2010/main" Requires="a14">
+      <mc:AlternateContent xmlns:mc="http://schemas.openxmlformats.org/markup-compatibility/2006" xmlns:a14="http://schemas.microsoft.com/office/drawing/2010/main">
+        <mc:Choice Requires="a14">
           <p:sp>
             <p:nvSpPr>
               <p:cNvPr id="30" name="TextBox 29"/>
@@ -7025,7 +7002,7 @@
             </p:txBody>
           </p:sp>
         </mc:Choice>
-        <mc:Fallback>
+        <mc:Fallback xmlns="">
           <p:sp>
             <p:nvSpPr>
               <p:cNvPr id="30" name="TextBox 29"/>
@@ -7064,8 +7041,8 @@
           </p:sp>
         </mc:Fallback>
       </mc:AlternateContent>
-      <mc:AlternateContent xmlns:mc="http://schemas.openxmlformats.org/markup-compatibility/2006">
-        <mc:Choice xmlns:a14="http://schemas.microsoft.com/office/drawing/2010/main" Requires="a14">
+      <mc:AlternateContent xmlns:mc="http://schemas.openxmlformats.org/markup-compatibility/2006" xmlns:a14="http://schemas.microsoft.com/office/drawing/2010/main">
+        <mc:Choice Requires="a14">
           <p:sp>
             <p:nvSpPr>
               <p:cNvPr id="31" name="TextBox 30"/>
@@ -7205,7 +7182,7 @@
             </p:txBody>
           </p:sp>
         </mc:Choice>
-        <mc:Fallback>
+        <mc:Fallback xmlns="">
           <p:sp>
             <p:nvSpPr>
               <p:cNvPr id="31" name="TextBox 30"/>
